--- a/Organisation/Idea d'aplicacio.pptx
+++ b/Organisation/Idea d'aplicacio.pptx
@@ -252,7 +252,7 @@
           <a:p>
             <a:fld id="{6DE6AD80-502A-4BB6-B729-1995EFE99DE0}" type="datetimeFigureOut">
               <a:rPr lang="es-ES" smtClean="0"/>
-              <a:t>05/05/2021</a:t>
+              <a:t>06/05/2021</a:t>
             </a:fld>
             <a:endParaRPr lang="es-ES"/>
           </a:p>
@@ -422,7 +422,7 @@
           <a:p>
             <a:fld id="{6DE6AD80-502A-4BB6-B729-1995EFE99DE0}" type="datetimeFigureOut">
               <a:rPr lang="es-ES" smtClean="0"/>
-              <a:t>05/05/2021</a:t>
+              <a:t>06/05/2021</a:t>
             </a:fld>
             <a:endParaRPr lang="es-ES"/>
           </a:p>
@@ -602,7 +602,7 @@
           <a:p>
             <a:fld id="{6DE6AD80-502A-4BB6-B729-1995EFE99DE0}" type="datetimeFigureOut">
               <a:rPr lang="es-ES" smtClean="0"/>
-              <a:t>05/05/2021</a:t>
+              <a:t>06/05/2021</a:t>
             </a:fld>
             <a:endParaRPr lang="es-ES"/>
           </a:p>
@@ -772,7 +772,7 @@
           <a:p>
             <a:fld id="{6DE6AD80-502A-4BB6-B729-1995EFE99DE0}" type="datetimeFigureOut">
               <a:rPr lang="es-ES" smtClean="0"/>
-              <a:t>05/05/2021</a:t>
+              <a:t>06/05/2021</a:t>
             </a:fld>
             <a:endParaRPr lang="es-ES"/>
           </a:p>
@@ -1018,7 +1018,7 @@
           <a:p>
             <a:fld id="{6DE6AD80-502A-4BB6-B729-1995EFE99DE0}" type="datetimeFigureOut">
               <a:rPr lang="es-ES" smtClean="0"/>
-              <a:t>05/05/2021</a:t>
+              <a:t>06/05/2021</a:t>
             </a:fld>
             <a:endParaRPr lang="es-ES"/>
           </a:p>
@@ -1250,7 +1250,7 @@
           <a:p>
             <a:fld id="{6DE6AD80-502A-4BB6-B729-1995EFE99DE0}" type="datetimeFigureOut">
               <a:rPr lang="es-ES" smtClean="0"/>
-              <a:t>05/05/2021</a:t>
+              <a:t>06/05/2021</a:t>
             </a:fld>
             <a:endParaRPr lang="es-ES"/>
           </a:p>
@@ -1617,7 +1617,7 @@
           <a:p>
             <a:fld id="{6DE6AD80-502A-4BB6-B729-1995EFE99DE0}" type="datetimeFigureOut">
               <a:rPr lang="es-ES" smtClean="0"/>
-              <a:t>05/05/2021</a:t>
+              <a:t>06/05/2021</a:t>
             </a:fld>
             <a:endParaRPr lang="es-ES"/>
           </a:p>
@@ -1735,7 +1735,7 @@
           <a:p>
             <a:fld id="{6DE6AD80-502A-4BB6-B729-1995EFE99DE0}" type="datetimeFigureOut">
               <a:rPr lang="es-ES" smtClean="0"/>
-              <a:t>05/05/2021</a:t>
+              <a:t>06/05/2021</a:t>
             </a:fld>
             <a:endParaRPr lang="es-ES"/>
           </a:p>
@@ -1830,7 +1830,7 @@
           <a:p>
             <a:fld id="{6DE6AD80-502A-4BB6-B729-1995EFE99DE0}" type="datetimeFigureOut">
               <a:rPr lang="es-ES" smtClean="0"/>
-              <a:t>05/05/2021</a:t>
+              <a:t>06/05/2021</a:t>
             </a:fld>
             <a:endParaRPr lang="es-ES"/>
           </a:p>
@@ -2107,7 +2107,7 @@
           <a:p>
             <a:fld id="{6DE6AD80-502A-4BB6-B729-1995EFE99DE0}" type="datetimeFigureOut">
               <a:rPr lang="es-ES" smtClean="0"/>
-              <a:t>05/05/2021</a:t>
+              <a:t>06/05/2021</a:t>
             </a:fld>
             <a:endParaRPr lang="es-ES"/>
           </a:p>
@@ -2364,7 +2364,7 @@
           <a:p>
             <a:fld id="{6DE6AD80-502A-4BB6-B729-1995EFE99DE0}" type="datetimeFigureOut">
               <a:rPr lang="es-ES" smtClean="0"/>
-              <a:t>05/05/2021</a:t>
+              <a:t>06/05/2021</a:t>
             </a:fld>
             <a:endParaRPr lang="es-ES"/>
           </a:p>
@@ -2577,7 +2577,7 @@
           <a:p>
             <a:fld id="{6DE6AD80-502A-4BB6-B729-1995EFE99DE0}" type="datetimeFigureOut">
               <a:rPr lang="es-ES" smtClean="0"/>
-              <a:t>05/05/2021</a:t>
+              <a:t>06/05/2021</a:t>
             </a:fld>
             <a:endParaRPr lang="es-ES"/>
           </a:p>
@@ -3714,21 +3714,6 @@
             </a:r>
             <a:endParaRPr lang="ca-ES" dirty="0"/>
           </a:p>
-          <a:p>
-            <a:r>
-              <a:rPr lang="ca-ES" dirty="0" err="1"/>
-              <a:t>Assists</a:t>
-            </a:r>
-            <a:r>
-              <a:rPr lang="ca-ES" dirty="0"/>
-              <a:t> </a:t>
-            </a:r>
-            <a:r>
-              <a:rPr lang="ca-ES" dirty="0" err="1"/>
-              <a:t>map</a:t>
-            </a:r>
-            <a:endParaRPr lang="es-ES" dirty="0"/>
-          </a:p>
         </p:txBody>
       </p:sp>
     </p:spTree>
